--- a/website_files/talks/IITB- career path.pptx
+++ b/website_files/talks/IITB- career path.pptx
@@ -285,7 +285,7 @@
           <a:p>
             <a:fld id="{7C857D95-F884-6043-9416-B827886AD6B1}" type="datetimeFigureOut">
               <a:rPr lang="en-US" smtClean="0"/>
-              <a:t>11/28/25</a:t>
+              <a:t>11/29/25</a:t>
             </a:fld>
             <a:endParaRPr lang="en-US"/>
           </a:p>
@@ -485,7 +485,7 @@
           <a:p>
             <a:fld id="{7C857D95-F884-6043-9416-B827886AD6B1}" type="datetimeFigureOut">
               <a:rPr lang="en-US" smtClean="0"/>
-              <a:t>11/28/25</a:t>
+              <a:t>11/29/25</a:t>
             </a:fld>
             <a:endParaRPr lang="en-US"/>
           </a:p>
@@ -695,7 +695,7 @@
           <a:p>
             <a:fld id="{7C857D95-F884-6043-9416-B827886AD6B1}" type="datetimeFigureOut">
               <a:rPr lang="en-US" smtClean="0"/>
-              <a:t>11/28/25</a:t>
+              <a:t>11/29/25</a:t>
             </a:fld>
             <a:endParaRPr lang="en-US"/>
           </a:p>
@@ -901,7 +901,7 @@
           <a:p>
             <a:fld id="{7C857D95-F884-6043-9416-B827886AD6B1}" type="datetimeFigureOut">
               <a:rPr lang="en-US" smtClean="0"/>
-              <a:t>11/28/25</a:t>
+              <a:t>11/29/25</a:t>
             </a:fld>
             <a:endParaRPr lang="en-US"/>
           </a:p>
@@ -1177,7 +1177,7 @@
           <a:p>
             <a:fld id="{7C857D95-F884-6043-9416-B827886AD6B1}" type="datetimeFigureOut">
               <a:rPr lang="en-US" smtClean="0"/>
-              <a:t>11/28/25</a:t>
+              <a:t>11/29/25</a:t>
             </a:fld>
             <a:endParaRPr lang="en-US"/>
           </a:p>
@@ -1445,7 +1445,7 @@
           <a:p>
             <a:fld id="{7C857D95-F884-6043-9416-B827886AD6B1}" type="datetimeFigureOut">
               <a:rPr lang="en-US" smtClean="0"/>
-              <a:t>11/28/25</a:t>
+              <a:t>11/29/25</a:t>
             </a:fld>
             <a:endParaRPr lang="en-US"/>
           </a:p>
@@ -1860,7 +1860,7 @@
           <a:p>
             <a:fld id="{7C857D95-F884-6043-9416-B827886AD6B1}" type="datetimeFigureOut">
               <a:rPr lang="en-US" smtClean="0"/>
-              <a:t>11/28/25</a:t>
+              <a:t>11/29/25</a:t>
             </a:fld>
             <a:endParaRPr lang="en-US"/>
           </a:p>
@@ -2002,7 +2002,7 @@
           <a:p>
             <a:fld id="{7C857D95-F884-6043-9416-B827886AD6B1}" type="datetimeFigureOut">
               <a:rPr lang="en-US" smtClean="0"/>
-              <a:t>11/28/25</a:t>
+              <a:t>11/29/25</a:t>
             </a:fld>
             <a:endParaRPr lang="en-US"/>
           </a:p>
@@ -2115,7 +2115,7 @@
           <a:p>
             <a:fld id="{7C857D95-F884-6043-9416-B827886AD6B1}" type="datetimeFigureOut">
               <a:rPr lang="en-US" smtClean="0"/>
-              <a:t>11/28/25</a:t>
+              <a:t>11/29/25</a:t>
             </a:fld>
             <a:endParaRPr lang="en-US"/>
           </a:p>
@@ -2428,7 +2428,7 @@
           <a:p>
             <a:fld id="{7C857D95-F884-6043-9416-B827886AD6B1}" type="datetimeFigureOut">
               <a:rPr lang="en-US" smtClean="0"/>
-              <a:t>11/28/25</a:t>
+              <a:t>11/29/25</a:t>
             </a:fld>
             <a:endParaRPr lang="en-US"/>
           </a:p>
@@ -2717,7 +2717,7 @@
           <a:p>
             <a:fld id="{7C857D95-F884-6043-9416-B827886AD6B1}" type="datetimeFigureOut">
               <a:rPr lang="en-US" smtClean="0"/>
-              <a:t>11/28/25</a:t>
+              <a:t>11/29/25</a:t>
             </a:fld>
             <a:endParaRPr lang="en-US"/>
           </a:p>
@@ -2962,7 +2962,7 @@
             <a:fld id="{7C857D95-F884-6043-9416-B827886AD6B1}" type="datetimeFigureOut">
               <a:rPr lang="en-US" smtClean="0"/>
               <a:pPr/>
-              <a:t>11/28/25</a:t>
+              <a:t>11/29/25</a:t>
             </a:fld>
             <a:endParaRPr lang="en-US"/>
           </a:p>
@@ -6351,7 +6351,7 @@
               <a:rPr lang="en-US" sz="2800" dirty="0">
                 <a:latin typeface="Gill Sans MT" panose="020B0502020104020203" pitchFamily="34" charset="77"/>
               </a:rPr>
-              <a:t>Read Prof. Milind Sohoni’s letter in dept. magazine to graduating students, 2000: </a:t>
+              <a:t>Read Prof. Milind Sohoni’s letter in dept. magazine to graduating students, class of 2000: </a:t>
             </a:r>
             <a:r>
               <a:rPr lang="en-US" sz="2800" dirty="0">
@@ -6806,7 +6806,7 @@
           <a:p>
             <a:pPr algn="ctr"/>
             <a:r>
-              <a:rPr lang="en-US">
+              <a:rPr lang="en-US" dirty="0">
                 <a:latin typeface="Gill Sans MT" panose="020B0502020104020203" pitchFamily="34" charset="77"/>
               </a:rPr>
               <a:t>Start your company</a:t>
@@ -6815,7 +6815,7 @@
           <a:p>
             <a:pPr algn="ctr"/>
             <a:r>
-              <a:rPr lang="en-US">
+              <a:rPr lang="en-US" dirty="0">
                 <a:latin typeface="Gill Sans MT" panose="020B0502020104020203" pitchFamily="34" charset="77"/>
               </a:rPr>
               <a:t>or</a:t>
@@ -6824,10 +6824,10 @@
           <a:p>
             <a:pPr algn="ctr"/>
             <a:r>
-              <a:rPr lang="en-US">
+              <a:rPr lang="en-US" dirty="0">
                 <a:latin typeface="Gill Sans MT" panose="020B0502020104020203" pitchFamily="34" charset="77"/>
               </a:rPr>
-              <a:t>work at an early stage startup</a:t>
+              <a:t>work at an early-stage startup</a:t>
             </a:r>
           </a:p>
         </p:txBody>
@@ -7642,7 +7642,7 @@
           <a:p>
             <a:pPr algn="ctr"/>
             <a:r>
-              <a:rPr lang="en-US">
+              <a:rPr lang="en-US" dirty="0">
                 <a:latin typeface="Gill Sans MT" panose="020B0502020104020203" pitchFamily="34" charset="77"/>
               </a:rPr>
               <a:t>Start your company</a:t>
@@ -7651,7 +7651,7 @@
           <a:p>
             <a:pPr algn="ctr"/>
             <a:r>
-              <a:rPr lang="en-US">
+              <a:rPr lang="en-US" dirty="0">
                 <a:latin typeface="Gill Sans MT" panose="020B0502020104020203" pitchFamily="34" charset="77"/>
               </a:rPr>
               <a:t>or</a:t>
@@ -7660,10 +7660,10 @@
           <a:p>
             <a:pPr algn="ctr"/>
             <a:r>
-              <a:rPr lang="en-US">
+              <a:rPr lang="en-US" dirty="0">
                 <a:latin typeface="Gill Sans MT" panose="020B0502020104020203" pitchFamily="34" charset="77"/>
               </a:rPr>
-              <a:t>work at an early stage startup</a:t>
+              <a:t>work at an early-stage startup</a:t>
             </a:r>
           </a:p>
         </p:txBody>
